--- a/PRISMA_WORKFLOW.pptx
+++ b/PRISMA_WORKFLOW.pptx
@@ -104,6 +104,11 @@
       </a:defRPr>
     </a:lvl9pPr>
   </p:defaultTextStyle>
+  <p:extLst>
+    <p:ext uri="{EFAFB233-063F-42B5-8137-9DF3F51BA10A}">
+      <p15:sldGuideLst xmlns:p15="http://schemas.microsoft.com/office/powerpoint/2012/main"/>
+    </p:ext>
+  </p:extLst>
 </p:presentation>
 </file>
 
@@ -256,7 +261,7 @@
           <a:p>
             <a:fld id="{1E819137-712C-804F-8DAC-E89A1AEC2A9F}" type="datetimeFigureOut">
               <a:rPr lang="en-US" smtClean="0"/>
-              <a:t>5/18/23</a:t>
+              <a:t>5/24/23</a:t>
             </a:fld>
             <a:endParaRPr lang="en-US"/>
           </a:p>
@@ -456,7 +461,7 @@
           <a:p>
             <a:fld id="{1E819137-712C-804F-8DAC-E89A1AEC2A9F}" type="datetimeFigureOut">
               <a:rPr lang="en-US" smtClean="0"/>
-              <a:t>5/18/23</a:t>
+              <a:t>5/24/23</a:t>
             </a:fld>
             <a:endParaRPr lang="en-US"/>
           </a:p>
@@ -666,7 +671,7 @@
           <a:p>
             <a:fld id="{1E819137-712C-804F-8DAC-E89A1AEC2A9F}" type="datetimeFigureOut">
               <a:rPr lang="en-US" smtClean="0"/>
-              <a:t>5/18/23</a:t>
+              <a:t>5/24/23</a:t>
             </a:fld>
             <a:endParaRPr lang="en-US"/>
           </a:p>
@@ -866,7 +871,7 @@
           <a:p>
             <a:fld id="{1E819137-712C-804F-8DAC-E89A1AEC2A9F}" type="datetimeFigureOut">
               <a:rPr lang="en-US" smtClean="0"/>
-              <a:t>5/18/23</a:t>
+              <a:t>5/24/23</a:t>
             </a:fld>
             <a:endParaRPr lang="en-US"/>
           </a:p>
@@ -1142,7 +1147,7 @@
           <a:p>
             <a:fld id="{1E819137-712C-804F-8DAC-E89A1AEC2A9F}" type="datetimeFigureOut">
               <a:rPr lang="en-US" smtClean="0"/>
-              <a:t>5/18/23</a:t>
+              <a:t>5/24/23</a:t>
             </a:fld>
             <a:endParaRPr lang="en-US"/>
           </a:p>
@@ -1410,7 +1415,7 @@
           <a:p>
             <a:fld id="{1E819137-712C-804F-8DAC-E89A1AEC2A9F}" type="datetimeFigureOut">
               <a:rPr lang="en-US" smtClean="0"/>
-              <a:t>5/18/23</a:t>
+              <a:t>5/24/23</a:t>
             </a:fld>
             <a:endParaRPr lang="en-US"/>
           </a:p>
@@ -1825,7 +1830,7 @@
           <a:p>
             <a:fld id="{1E819137-712C-804F-8DAC-E89A1AEC2A9F}" type="datetimeFigureOut">
               <a:rPr lang="en-US" smtClean="0"/>
-              <a:t>5/18/23</a:t>
+              <a:t>5/24/23</a:t>
             </a:fld>
             <a:endParaRPr lang="en-US"/>
           </a:p>
@@ -1967,7 +1972,7 @@
           <a:p>
             <a:fld id="{1E819137-712C-804F-8DAC-E89A1AEC2A9F}" type="datetimeFigureOut">
               <a:rPr lang="en-US" smtClean="0"/>
-              <a:t>5/18/23</a:t>
+              <a:t>5/24/23</a:t>
             </a:fld>
             <a:endParaRPr lang="en-US"/>
           </a:p>
@@ -2080,7 +2085,7 @@
           <a:p>
             <a:fld id="{1E819137-712C-804F-8DAC-E89A1AEC2A9F}" type="datetimeFigureOut">
               <a:rPr lang="en-US" smtClean="0"/>
-              <a:t>5/18/23</a:t>
+              <a:t>5/24/23</a:t>
             </a:fld>
             <a:endParaRPr lang="en-US"/>
           </a:p>
@@ -2393,7 +2398,7 @@
           <a:p>
             <a:fld id="{1E819137-712C-804F-8DAC-E89A1AEC2A9F}" type="datetimeFigureOut">
               <a:rPr lang="en-US" smtClean="0"/>
-              <a:t>5/18/23</a:t>
+              <a:t>5/24/23</a:t>
             </a:fld>
             <a:endParaRPr lang="en-US"/>
           </a:p>
@@ -2682,7 +2687,7 @@
           <a:p>
             <a:fld id="{1E819137-712C-804F-8DAC-E89A1AEC2A9F}" type="datetimeFigureOut">
               <a:rPr lang="en-US" smtClean="0"/>
-              <a:t>5/18/23</a:t>
+              <a:t>5/24/23</a:t>
             </a:fld>
             <a:endParaRPr lang="en-US"/>
           </a:p>
@@ -2925,7 +2930,7 @@
           <a:p>
             <a:fld id="{1E819137-712C-804F-8DAC-E89A1AEC2A9F}" type="datetimeFigureOut">
               <a:rPr lang="en-US" smtClean="0"/>
-              <a:t>5/18/23</a:t>
+              <a:t>5/24/23</a:t>
             </a:fld>
             <a:endParaRPr lang="en-US"/>
           </a:p>
@@ -4915,8 +4920,8 @@
         </p:nvSpPr>
         <p:spPr>
           <a:xfrm>
-            <a:off x="7016116" y="3896837"/>
-            <a:ext cx="4968276" cy="1938992"/>
+            <a:off x="6195862" y="3896837"/>
+            <a:ext cx="5874205" cy="2862322"/>
           </a:xfrm>
           <a:prstGeom prst="rect">
             <a:avLst/>
@@ -4974,7 +4979,7 @@
                 <a:latin typeface="Arial" panose="020B0604020202020204" pitchFamily="34" charset="0"/>
                 <a:cs typeface="Arial" panose="020B0604020202020204" pitchFamily="34" charset="0"/>
               </a:rPr>
-              <a:t>Reason 3: Wrong outcome (n=6)</a:t>
+              <a:t>Reason 3: Wrong outcome (n=9)</a:t>
             </a:r>
           </a:p>
           <a:p>
@@ -4992,7 +4997,34 @@
                 <a:latin typeface="Arial" panose="020B0604020202020204" pitchFamily="34" charset="0"/>
                 <a:cs typeface="Arial" panose="020B0604020202020204" pitchFamily="34" charset="0"/>
               </a:rPr>
-              <a:t>Reason 5: Wrong aim (n = 3)</a:t>
+              <a:t>Reason 5: Wrong exposure (n = 8)</a:t>
+            </a:r>
+          </a:p>
+          <a:p>
+            <a:r>
+              <a:rPr lang="en-US" sz="2000" dirty="0">
+                <a:latin typeface="Arial" panose="020B0604020202020204" pitchFamily="34" charset="0"/>
+                <a:cs typeface="Arial" panose="020B0604020202020204" pitchFamily="34" charset="0"/>
+              </a:rPr>
+              <a:t>Reason 6: Wrong aim (n = 4)</a:t>
+            </a:r>
+          </a:p>
+          <a:p>
+            <a:r>
+              <a:rPr lang="en-US" sz="2000" dirty="0">
+                <a:latin typeface="Arial" panose="020B0604020202020204" pitchFamily="34" charset="0"/>
+                <a:cs typeface="Arial" panose="020B0604020202020204" pitchFamily="34" charset="0"/>
+              </a:rPr>
+              <a:t>Reason 7: Wrong population (!=EUR) (n = 1)</a:t>
+            </a:r>
+          </a:p>
+          <a:p>
+            <a:r>
+              <a:rPr lang="en-US" sz="2000" dirty="0">
+                <a:latin typeface="Arial" panose="020B0604020202020204" pitchFamily="34" charset="0"/>
+                <a:cs typeface="Arial" panose="020B0604020202020204" pitchFamily="34" charset="0"/>
+              </a:rPr>
+              <a:t>Reason 8: Wrong instruments (!=BMI) n(1)</a:t>
             </a:r>
           </a:p>
         </p:txBody>
@@ -5126,7 +5158,7 @@
                 <a:latin typeface="Arial" panose="020B0604020202020204" pitchFamily="34" charset="0"/>
                 <a:cs typeface="Arial" panose="020B0604020202020204" pitchFamily="34" charset="0"/>
               </a:rPr>
-              <a:t>Studies included (n=29)</a:t>
+              <a:t>Studies included (n=15)</a:t>
             </a:r>
           </a:p>
         </p:txBody>
@@ -5190,7 +5222,7 @@
         <p:spPr>
           <a:xfrm>
             <a:off x="5581409" y="4583055"/>
-            <a:ext cx="1434707" cy="0"/>
+            <a:ext cx="599935" cy="0"/>
           </a:xfrm>
           <a:prstGeom prst="straightConnector1">
             <a:avLst/>
